--- a/CST simulation/Wilkinson Power Divider Simulation_v2.pptx
+++ b/CST simulation/Wilkinson Power Divider Simulation_v2.pptx
@@ -14,6 +14,9 @@
     <p:sldId id="273" r:id="rId8"/>
     <p:sldId id="274" r:id="rId9"/>
     <p:sldId id="275" r:id="rId10"/>
+    <p:sldId id="277" r:id="rId11"/>
+    <p:sldId id="278" r:id="rId12"/>
+    <p:sldId id="276" r:id="rId13"/>
   </p:sldIdLst>
   <p:sldSz cx="12192000" cy="6858000"/>
   <p:notesSz cx="6858000" cy="9144000"/>
@@ -267,7 +270,7 @@
           <a:p>
             <a:fld id="{DBB1ACE0-7167-418E-A7EF-EFF9F52AAEFB}" type="datetimeFigureOut">
               <a:rPr lang="en-US" smtClean="0"/>
-              <a:t>10/10/2025</a:t>
+              <a:t>10/23/2025</a:t>
             </a:fld>
             <a:endParaRPr lang="en-US"/>
           </a:p>
@@ -465,7 +468,7 @@
           <a:p>
             <a:fld id="{DBB1ACE0-7167-418E-A7EF-EFF9F52AAEFB}" type="datetimeFigureOut">
               <a:rPr lang="en-US" smtClean="0"/>
-              <a:t>10/10/2025</a:t>
+              <a:t>10/23/2025</a:t>
             </a:fld>
             <a:endParaRPr lang="en-US"/>
           </a:p>
@@ -673,7 +676,7 @@
           <a:p>
             <a:fld id="{DBB1ACE0-7167-418E-A7EF-EFF9F52AAEFB}" type="datetimeFigureOut">
               <a:rPr lang="en-US" smtClean="0"/>
-              <a:t>10/10/2025</a:t>
+              <a:t>10/23/2025</a:t>
             </a:fld>
             <a:endParaRPr lang="en-US"/>
           </a:p>
@@ -871,7 +874,7 @@
           <a:p>
             <a:fld id="{DBB1ACE0-7167-418E-A7EF-EFF9F52AAEFB}" type="datetimeFigureOut">
               <a:rPr lang="en-US" smtClean="0"/>
-              <a:t>10/10/2025</a:t>
+              <a:t>10/23/2025</a:t>
             </a:fld>
             <a:endParaRPr lang="en-US"/>
           </a:p>
@@ -1146,7 +1149,7 @@
           <a:p>
             <a:fld id="{DBB1ACE0-7167-418E-A7EF-EFF9F52AAEFB}" type="datetimeFigureOut">
               <a:rPr lang="en-US" smtClean="0"/>
-              <a:t>10/10/2025</a:t>
+              <a:t>10/23/2025</a:t>
             </a:fld>
             <a:endParaRPr lang="en-US"/>
           </a:p>
@@ -1411,7 +1414,7 @@
           <a:p>
             <a:fld id="{DBB1ACE0-7167-418E-A7EF-EFF9F52AAEFB}" type="datetimeFigureOut">
               <a:rPr lang="en-US" smtClean="0"/>
-              <a:t>10/10/2025</a:t>
+              <a:t>10/23/2025</a:t>
             </a:fld>
             <a:endParaRPr lang="en-US"/>
           </a:p>
@@ -1823,7 +1826,7 @@
           <a:p>
             <a:fld id="{DBB1ACE0-7167-418E-A7EF-EFF9F52AAEFB}" type="datetimeFigureOut">
               <a:rPr lang="en-US" smtClean="0"/>
-              <a:t>10/10/2025</a:t>
+              <a:t>10/23/2025</a:t>
             </a:fld>
             <a:endParaRPr lang="en-US"/>
           </a:p>
@@ -1964,7 +1967,7 @@
           <a:p>
             <a:fld id="{DBB1ACE0-7167-418E-A7EF-EFF9F52AAEFB}" type="datetimeFigureOut">
               <a:rPr lang="en-US" smtClean="0"/>
-              <a:t>10/10/2025</a:t>
+              <a:t>10/23/2025</a:t>
             </a:fld>
             <a:endParaRPr lang="en-US"/>
           </a:p>
@@ -2077,7 +2080,7 @@
           <a:p>
             <a:fld id="{DBB1ACE0-7167-418E-A7EF-EFF9F52AAEFB}" type="datetimeFigureOut">
               <a:rPr lang="en-US" smtClean="0"/>
-              <a:t>10/10/2025</a:t>
+              <a:t>10/23/2025</a:t>
             </a:fld>
             <a:endParaRPr lang="en-US"/>
           </a:p>
@@ -2388,7 +2391,7 @@
           <a:p>
             <a:fld id="{DBB1ACE0-7167-418E-A7EF-EFF9F52AAEFB}" type="datetimeFigureOut">
               <a:rPr lang="en-US" smtClean="0"/>
-              <a:t>10/10/2025</a:t>
+              <a:t>10/23/2025</a:t>
             </a:fld>
             <a:endParaRPr lang="en-US"/>
           </a:p>
@@ -2676,7 +2679,7 @@
           <a:p>
             <a:fld id="{DBB1ACE0-7167-418E-A7EF-EFF9F52AAEFB}" type="datetimeFigureOut">
               <a:rPr lang="en-US" smtClean="0"/>
-              <a:t>10/10/2025</a:t>
+              <a:t>10/23/2025</a:t>
             </a:fld>
             <a:endParaRPr lang="en-US"/>
           </a:p>
@@ -2917,7 +2920,7 @@
           <a:p>
             <a:fld id="{DBB1ACE0-7167-418E-A7EF-EFF9F52AAEFB}" type="datetimeFigureOut">
               <a:rPr lang="en-US" smtClean="0"/>
-              <a:t>10/10/2025</a:t>
+              <a:t>10/23/2025</a:t>
             </a:fld>
             <a:endParaRPr lang="en-US"/>
           </a:p>
@@ -3400,6 +3403,578 @@
     <p:extLst>
       <p:ext uri="{BB962C8B-B14F-4D97-AF65-F5344CB8AC3E}">
         <p14:creationId xmlns:p14="http://schemas.microsoft.com/office/powerpoint/2010/main" val="341276929"/>
+      </p:ext>
+    </p:extLst>
+  </p:cSld>
+  <p:clrMapOvr>
+    <a:masterClrMapping/>
+  </p:clrMapOvr>
+</p:sld>
+</file>
+
+<file path=ppt/slides/slide10.xml><?xml version="1.0" encoding="utf-8"?>
+<p:sld xmlns:a="http://schemas.openxmlformats.org/drawingml/2006/main" xmlns:r="http://schemas.openxmlformats.org/officeDocument/2006/relationships" xmlns:p="http://schemas.openxmlformats.org/presentationml/2006/main">
+  <p:cSld>
+    <p:spTree>
+      <p:nvGrpSpPr>
+        <p:cNvPr id="1" name=""/>
+        <p:cNvGrpSpPr/>
+        <p:nvPr/>
+      </p:nvGrpSpPr>
+      <p:grpSpPr>
+        <a:xfrm>
+          <a:off x="0" y="0"/>
+          <a:ext cx="0" cy="0"/>
+          <a:chOff x="0" y="0"/>
+          <a:chExt cx="0" cy="0"/>
+        </a:xfrm>
+      </p:grpSpPr>
+      <p:sp>
+        <p:nvSpPr>
+          <p:cNvPr id="2" name="Title 1">
+            <a:extLst>
+              <a:ext uri="{FF2B5EF4-FFF2-40B4-BE49-F238E27FC236}">
+                <a16:creationId xmlns:a16="http://schemas.microsoft.com/office/drawing/2014/main" id="{05B4F7BE-394E-C43D-2718-35BB936E3622}"/>
+              </a:ext>
+            </a:extLst>
+          </p:cNvPr>
+          <p:cNvSpPr>
+            <a:spLocks noGrp="1"/>
+          </p:cNvSpPr>
+          <p:nvPr>
+            <p:ph type="title"/>
+          </p:nvPr>
+        </p:nvSpPr>
+        <p:spPr/>
+        <p:txBody>
+          <a:bodyPr/>
+          <a:lstStyle/>
+          <a:p>
+            <a:endParaRPr lang="en-US" dirty="0"/>
+          </a:p>
+        </p:txBody>
+      </p:sp>
+      <p:sp>
+        <p:nvSpPr>
+          <p:cNvPr id="3" name="Content Placeholder 2">
+            <a:extLst>
+              <a:ext uri="{FF2B5EF4-FFF2-40B4-BE49-F238E27FC236}">
+                <a16:creationId xmlns:a16="http://schemas.microsoft.com/office/drawing/2014/main" id="{C292E63A-D7A5-B0CC-3C23-C65888FC6382}"/>
+              </a:ext>
+            </a:extLst>
+          </p:cNvPr>
+          <p:cNvSpPr>
+            <a:spLocks noGrp="1"/>
+          </p:cNvSpPr>
+          <p:nvPr>
+            <p:ph idx="1"/>
+          </p:nvPr>
+        </p:nvSpPr>
+        <p:spPr/>
+        <p:txBody>
+          <a:bodyPr/>
+          <a:lstStyle/>
+          <a:p>
+            <a:r>
+              <a:rPr lang="en-US" dirty="0"/>
+              <a:t>Appendix</a:t>
+            </a:r>
+          </a:p>
+        </p:txBody>
+      </p:sp>
+    </p:spTree>
+    <p:extLst>
+      <p:ext uri="{BB962C8B-B14F-4D97-AF65-F5344CB8AC3E}">
+        <p14:creationId xmlns:p14="http://schemas.microsoft.com/office/powerpoint/2010/main" val="4143767463"/>
+      </p:ext>
+    </p:extLst>
+  </p:cSld>
+  <p:clrMapOvr>
+    <a:masterClrMapping/>
+  </p:clrMapOvr>
+</p:sld>
+</file>
+
+<file path=ppt/slides/slide11.xml><?xml version="1.0" encoding="utf-8"?>
+<p:sld xmlns:a="http://schemas.openxmlformats.org/drawingml/2006/main" xmlns:r="http://schemas.openxmlformats.org/officeDocument/2006/relationships" xmlns:p="http://schemas.openxmlformats.org/presentationml/2006/main">
+  <p:cSld>
+    <p:spTree>
+      <p:nvGrpSpPr>
+        <p:cNvPr id="1" name=""/>
+        <p:cNvGrpSpPr/>
+        <p:nvPr/>
+      </p:nvGrpSpPr>
+      <p:grpSpPr>
+        <a:xfrm>
+          <a:off x="0" y="0"/>
+          <a:ext cx="0" cy="0"/>
+          <a:chOff x="0" y="0"/>
+          <a:chExt cx="0" cy="0"/>
+        </a:xfrm>
+      </p:grpSpPr>
+      <p:sp>
+        <p:nvSpPr>
+          <p:cNvPr id="2" name="Title 1">
+            <a:extLst>
+              <a:ext uri="{FF2B5EF4-FFF2-40B4-BE49-F238E27FC236}">
+                <a16:creationId xmlns:a16="http://schemas.microsoft.com/office/drawing/2014/main" id="{5A6A034C-5DC3-F5BF-4B58-B8E28B132F75}"/>
+              </a:ext>
+            </a:extLst>
+          </p:cNvPr>
+          <p:cNvSpPr>
+            <a:spLocks noGrp="1"/>
+          </p:cNvSpPr>
+          <p:nvPr>
+            <p:ph type="title"/>
+          </p:nvPr>
+        </p:nvSpPr>
+        <p:spPr>
+          <a:xfrm>
+            <a:off x="376286" y="270857"/>
+            <a:ext cx="10515600" cy="1325563"/>
+          </a:xfrm>
+        </p:spPr>
+        <p:txBody>
+          <a:bodyPr/>
+          <a:lstStyle/>
+          <a:p>
+            <a:r>
+              <a:rPr lang="en-US" dirty="0"/>
+              <a:t>Before modification, which</a:t>
+            </a:r>
+            <a:r>
+              <a:rPr lang="en-US" altLang="zh-CN" dirty="0"/>
+              <a:t> is same as page 9</a:t>
+            </a:r>
+            <a:endParaRPr lang="en-US" dirty="0"/>
+          </a:p>
+        </p:txBody>
+      </p:sp>
+      <p:grpSp>
+        <p:nvGrpSpPr>
+          <p:cNvPr id="8" name="Group 7">
+            <a:extLst>
+              <a:ext uri="{FF2B5EF4-FFF2-40B4-BE49-F238E27FC236}">
+                <a16:creationId xmlns:a16="http://schemas.microsoft.com/office/drawing/2014/main" id="{DA63CB61-D7BD-E6DF-130E-D7C30FA8099C}"/>
+              </a:ext>
+            </a:extLst>
+          </p:cNvPr>
+          <p:cNvGrpSpPr/>
+          <p:nvPr/>
+        </p:nvGrpSpPr>
+        <p:grpSpPr>
+          <a:xfrm>
+            <a:off x="168896" y="1348966"/>
+            <a:ext cx="8825061" cy="3572374"/>
+            <a:chOff x="376286" y="1518649"/>
+            <a:chExt cx="8825061" cy="3572374"/>
+          </a:xfrm>
+        </p:grpSpPr>
+        <p:pic>
+          <p:nvPicPr>
+            <p:cNvPr id="5" name="Picture 4">
+              <a:extLst>
+                <a:ext uri="{FF2B5EF4-FFF2-40B4-BE49-F238E27FC236}">
+                  <a16:creationId xmlns:a16="http://schemas.microsoft.com/office/drawing/2014/main" id="{48A24301-8410-E2AA-CB24-E3398A8DC88A}"/>
+                </a:ext>
+              </a:extLst>
+            </p:cNvPr>
+            <p:cNvPicPr>
+              <a:picLocks noChangeAspect="1"/>
+            </p:cNvPicPr>
+            <p:nvPr/>
+          </p:nvPicPr>
+          <p:blipFill>
+            <a:blip r:embed="rId2"/>
+            <a:stretch>
+              <a:fillRect/>
+            </a:stretch>
+          </p:blipFill>
+          <p:spPr>
+            <a:xfrm>
+              <a:off x="376286" y="1518649"/>
+              <a:ext cx="7792537" cy="3572374"/>
+            </a:xfrm>
+            <a:prstGeom prst="rect">
+              <a:avLst/>
+            </a:prstGeom>
+          </p:spPr>
+        </p:pic>
+        <p:sp>
+          <p:nvSpPr>
+            <p:cNvPr id="6" name="Rectangle 5">
+              <a:extLst>
+                <a:ext uri="{FF2B5EF4-FFF2-40B4-BE49-F238E27FC236}">
+                  <a16:creationId xmlns:a16="http://schemas.microsoft.com/office/drawing/2014/main" id="{CF2C161B-91A8-680C-FE68-F22C6A425975}"/>
+                </a:ext>
+              </a:extLst>
+            </p:cNvPr>
+            <p:cNvSpPr/>
+            <p:nvPr/>
+          </p:nvSpPr>
+          <p:spPr>
+            <a:xfrm>
+              <a:off x="5250730" y="2422689"/>
+              <a:ext cx="1357460" cy="1517715"/>
+            </a:xfrm>
+            <a:prstGeom prst="rect">
+              <a:avLst/>
+            </a:prstGeom>
+            <a:noFill/>
+          </p:spPr>
+          <p:style>
+            <a:lnRef idx="2">
+              <a:schemeClr val="accent1">
+                <a:shade val="15000"/>
+              </a:schemeClr>
+            </a:lnRef>
+            <a:fillRef idx="1">
+              <a:schemeClr val="accent1"/>
+            </a:fillRef>
+            <a:effectRef idx="0">
+              <a:schemeClr val="accent1"/>
+            </a:effectRef>
+            <a:fontRef idx="minor">
+              <a:schemeClr val="lt1"/>
+            </a:fontRef>
+          </p:style>
+          <p:txBody>
+            <a:bodyPr rtlCol="0" anchor="ctr"/>
+            <a:lstStyle/>
+            <a:p>
+              <a:pPr algn="ctr"/>
+              <a:endParaRPr lang="en-US"/>
+            </a:p>
+          </p:txBody>
+        </p:sp>
+        <p:sp>
+          <p:nvSpPr>
+            <p:cNvPr id="7" name="TextBox 6">
+              <a:extLst>
+                <a:ext uri="{FF2B5EF4-FFF2-40B4-BE49-F238E27FC236}">
+                  <a16:creationId xmlns:a16="http://schemas.microsoft.com/office/drawing/2014/main" id="{103E3FAB-BFB4-5634-04B0-73188604A02C}"/>
+                </a:ext>
+              </a:extLst>
+            </p:cNvPr>
+            <p:cNvSpPr txBox="1"/>
+            <p:nvPr/>
+          </p:nvSpPr>
+          <p:spPr>
+            <a:xfrm>
+              <a:off x="6872140" y="2505670"/>
+              <a:ext cx="2329207" cy="923330"/>
+            </a:xfrm>
+            <a:prstGeom prst="rect">
+              <a:avLst/>
+            </a:prstGeom>
+            <a:noFill/>
+          </p:spPr>
+          <p:txBody>
+            <a:bodyPr wrap="square" rtlCol="0">
+              <a:spAutoFit/>
+            </a:bodyPr>
+            <a:lstStyle/>
+            <a:p>
+              <a:r>
+                <a:rPr lang="en-US" dirty="0"/>
+                <a:t>There are some sharp angle at the output arms</a:t>
+              </a:r>
+            </a:p>
+          </p:txBody>
+        </p:sp>
+      </p:grpSp>
+      <p:pic>
+        <p:nvPicPr>
+          <p:cNvPr id="10" name="Picture 9">
+            <a:extLst>
+              <a:ext uri="{FF2B5EF4-FFF2-40B4-BE49-F238E27FC236}">
+                <a16:creationId xmlns:a16="http://schemas.microsoft.com/office/drawing/2014/main" id="{BCF88AAE-817C-2AF3-40C7-71F7AA3EEA18}"/>
+              </a:ext>
+            </a:extLst>
+          </p:cNvPr>
+          <p:cNvPicPr>
+            <a:picLocks noChangeAspect="1"/>
+          </p:cNvPicPr>
+          <p:nvPr/>
+        </p:nvPicPr>
+        <p:blipFill>
+          <a:blip r:embed="rId3"/>
+          <a:stretch>
+            <a:fillRect/>
+          </a:stretch>
+        </p:blipFill>
+        <p:spPr>
+          <a:xfrm>
+            <a:off x="0" y="4195024"/>
+            <a:ext cx="5794700" cy="2628019"/>
+          </a:xfrm>
+          <a:prstGeom prst="rect">
+            <a:avLst/>
+          </a:prstGeom>
+        </p:spPr>
+      </p:pic>
+      <p:pic>
+        <p:nvPicPr>
+          <p:cNvPr id="12" name="Picture 11">
+            <a:extLst>
+              <a:ext uri="{FF2B5EF4-FFF2-40B4-BE49-F238E27FC236}">
+                <a16:creationId xmlns:a16="http://schemas.microsoft.com/office/drawing/2014/main" id="{0C5208B5-EBA8-FF4A-54AE-FD5DF4923040}"/>
+              </a:ext>
+            </a:extLst>
+          </p:cNvPr>
+          <p:cNvPicPr>
+            <a:picLocks noChangeAspect="1"/>
+          </p:cNvPicPr>
+          <p:nvPr/>
+        </p:nvPicPr>
+        <p:blipFill>
+          <a:blip r:embed="rId4"/>
+          <a:stretch>
+            <a:fillRect/>
+          </a:stretch>
+        </p:blipFill>
+        <p:spPr>
+          <a:xfrm>
+            <a:off x="5794700" y="4195593"/>
+            <a:ext cx="6096000" cy="2764665"/>
+          </a:xfrm>
+          <a:prstGeom prst="rect">
+            <a:avLst/>
+          </a:prstGeom>
+        </p:spPr>
+      </p:pic>
+    </p:spTree>
+    <p:extLst>
+      <p:ext uri="{BB962C8B-B14F-4D97-AF65-F5344CB8AC3E}">
+        <p14:creationId xmlns:p14="http://schemas.microsoft.com/office/powerpoint/2010/main" val="3035075662"/>
+      </p:ext>
+    </p:extLst>
+  </p:cSld>
+  <p:clrMapOvr>
+    <a:masterClrMapping/>
+  </p:clrMapOvr>
+</p:sld>
+</file>
+
+<file path=ppt/slides/slide12.xml><?xml version="1.0" encoding="utf-8"?>
+<p:sld xmlns:a="http://schemas.openxmlformats.org/drawingml/2006/main" xmlns:r="http://schemas.openxmlformats.org/officeDocument/2006/relationships" xmlns:p="http://schemas.openxmlformats.org/presentationml/2006/main">
+  <p:cSld>
+    <p:spTree>
+      <p:nvGrpSpPr>
+        <p:cNvPr id="1" name=""/>
+        <p:cNvGrpSpPr/>
+        <p:nvPr/>
+      </p:nvGrpSpPr>
+      <p:grpSpPr>
+        <a:xfrm>
+          <a:off x="0" y="0"/>
+          <a:ext cx="0" cy="0"/>
+          <a:chOff x="0" y="0"/>
+          <a:chExt cx="0" cy="0"/>
+        </a:xfrm>
+      </p:grpSpPr>
+      <p:sp>
+        <p:nvSpPr>
+          <p:cNvPr id="2" name="Title 1">
+            <a:extLst>
+              <a:ext uri="{FF2B5EF4-FFF2-40B4-BE49-F238E27FC236}">
+                <a16:creationId xmlns:a16="http://schemas.microsoft.com/office/drawing/2014/main" id="{5C9E0BDD-4CE0-3F19-27DE-B995663C44C3}"/>
+              </a:ext>
+            </a:extLst>
+          </p:cNvPr>
+          <p:cNvSpPr>
+            <a:spLocks noGrp="1"/>
+          </p:cNvSpPr>
+          <p:nvPr>
+            <p:ph type="title"/>
+          </p:nvPr>
+        </p:nvSpPr>
+        <p:spPr>
+          <a:xfrm>
+            <a:off x="0" y="101175"/>
+            <a:ext cx="12471662" cy="1325563"/>
+          </a:xfrm>
+        </p:spPr>
+        <p:txBody>
+          <a:bodyPr/>
+          <a:lstStyle/>
+          <a:p>
+            <a:r>
+              <a:rPr lang="en-US" dirty="0"/>
+              <a:t>T</a:t>
+            </a:r>
+            <a:r>
+              <a:rPr lang="en-US" altLang="zh-CN" dirty="0"/>
+              <a:t>ry to remove the sharp angle in the output port</a:t>
+            </a:r>
+            <a:endParaRPr lang="en-US" dirty="0"/>
+          </a:p>
+        </p:txBody>
+      </p:sp>
+      <p:pic>
+        <p:nvPicPr>
+          <p:cNvPr id="7" name="Picture 6">
+            <a:extLst>
+              <a:ext uri="{FF2B5EF4-FFF2-40B4-BE49-F238E27FC236}">
+                <a16:creationId xmlns:a16="http://schemas.microsoft.com/office/drawing/2014/main" id="{DE655E75-71CF-C527-09B6-960C4632EDF3}"/>
+              </a:ext>
+            </a:extLst>
+          </p:cNvPr>
+          <p:cNvPicPr>
+            <a:picLocks noChangeAspect="1"/>
+          </p:cNvPicPr>
+          <p:nvPr/>
+        </p:nvPicPr>
+        <p:blipFill>
+          <a:blip r:embed="rId2"/>
+          <a:stretch>
+            <a:fillRect/>
+          </a:stretch>
+        </p:blipFill>
+        <p:spPr>
+          <a:xfrm>
+            <a:off x="5278490" y="1137582"/>
+            <a:ext cx="6717323" cy="3046448"/>
+          </a:xfrm>
+          <a:prstGeom prst="rect">
+            <a:avLst/>
+          </a:prstGeom>
+        </p:spPr>
+      </p:pic>
+      <p:pic>
+        <p:nvPicPr>
+          <p:cNvPr id="9" name="Picture 8">
+            <a:extLst>
+              <a:ext uri="{FF2B5EF4-FFF2-40B4-BE49-F238E27FC236}">
+                <a16:creationId xmlns:a16="http://schemas.microsoft.com/office/drawing/2014/main" id="{72ADC415-3874-FAE7-F172-067471DE59CF}"/>
+              </a:ext>
+            </a:extLst>
+          </p:cNvPr>
+          <p:cNvPicPr>
+            <a:picLocks noChangeAspect="1"/>
+          </p:cNvPicPr>
+          <p:nvPr/>
+        </p:nvPicPr>
+        <p:blipFill>
+          <a:blip r:embed="rId3"/>
+          <a:stretch>
+            <a:fillRect/>
+          </a:stretch>
+        </p:blipFill>
+        <p:spPr>
+          <a:xfrm>
+            <a:off x="5472720" y="3994703"/>
+            <a:ext cx="6328862" cy="2870272"/>
+          </a:xfrm>
+          <a:prstGeom prst="rect">
+            <a:avLst/>
+          </a:prstGeom>
+        </p:spPr>
+      </p:pic>
+      <p:sp>
+        <p:nvSpPr>
+          <p:cNvPr id="10" name="TextBox 9">
+            <a:extLst>
+              <a:ext uri="{FF2B5EF4-FFF2-40B4-BE49-F238E27FC236}">
+                <a16:creationId xmlns:a16="http://schemas.microsoft.com/office/drawing/2014/main" id="{1A3B4474-2FBD-F452-4384-D4C74C2A049F}"/>
+              </a:ext>
+            </a:extLst>
+          </p:cNvPr>
+          <p:cNvSpPr txBox="1"/>
+          <p:nvPr/>
+        </p:nvSpPr>
+        <p:spPr>
+          <a:xfrm>
+            <a:off x="789352" y="4935378"/>
+            <a:ext cx="1146927" cy="369332"/>
+          </a:xfrm>
+          <a:prstGeom prst="rect">
+            <a:avLst/>
+          </a:prstGeom>
+          <a:noFill/>
+        </p:spPr>
+        <p:txBody>
+          <a:bodyPr wrap="square" rtlCol="0">
+            <a:spAutoFit/>
+          </a:bodyPr>
+          <a:lstStyle/>
+          <a:p>
+            <a:r>
+              <a:rPr lang="en-US" dirty="0"/>
+              <a:t>9-12 GHz  </a:t>
+            </a:r>
+          </a:p>
+        </p:txBody>
+      </p:sp>
+      <p:pic>
+        <p:nvPicPr>
+          <p:cNvPr id="12" name="Picture 11">
+            <a:extLst>
+              <a:ext uri="{FF2B5EF4-FFF2-40B4-BE49-F238E27FC236}">
+                <a16:creationId xmlns:a16="http://schemas.microsoft.com/office/drawing/2014/main" id="{6A6D117F-586B-D5F9-8BAB-9E723DDA864B}"/>
+              </a:ext>
+            </a:extLst>
+          </p:cNvPr>
+          <p:cNvPicPr>
+            <a:picLocks noChangeAspect="1"/>
+          </p:cNvPicPr>
+          <p:nvPr/>
+        </p:nvPicPr>
+        <p:blipFill>
+          <a:blip r:embed="rId4"/>
+          <a:stretch>
+            <a:fillRect/>
+          </a:stretch>
+        </p:blipFill>
+        <p:spPr>
+          <a:xfrm>
+            <a:off x="908169" y="2107287"/>
+            <a:ext cx="3894472" cy="2643425"/>
+          </a:xfrm>
+          <a:prstGeom prst="rect">
+            <a:avLst/>
+          </a:prstGeom>
+        </p:spPr>
+      </p:pic>
+      <p:sp>
+        <p:nvSpPr>
+          <p:cNvPr id="13" name="TextBox 12">
+            <a:extLst>
+              <a:ext uri="{FF2B5EF4-FFF2-40B4-BE49-F238E27FC236}">
+                <a16:creationId xmlns:a16="http://schemas.microsoft.com/office/drawing/2014/main" id="{6CA7BA32-07FD-500C-5376-116926B3B90B}"/>
+              </a:ext>
+            </a:extLst>
+          </p:cNvPr>
+          <p:cNvSpPr txBox="1"/>
+          <p:nvPr/>
+        </p:nvSpPr>
+        <p:spPr>
+          <a:xfrm>
+            <a:off x="487695" y="5429839"/>
+            <a:ext cx="3594111" cy="923330"/>
+          </a:xfrm>
+          <a:prstGeom prst="rect">
+            <a:avLst/>
+          </a:prstGeom>
+          <a:noFill/>
+        </p:spPr>
+        <p:txBody>
+          <a:bodyPr wrap="square" rtlCol="0">
+            <a:spAutoFit/>
+          </a:bodyPr>
+          <a:lstStyle/>
+          <a:p>
+            <a:r>
+              <a:rPr lang="en-US" dirty="0"/>
+              <a:t>The  S12 and S13 are worse than before, which are less than -4dB in high frequency range</a:t>
+            </a:r>
+          </a:p>
+        </p:txBody>
+      </p:sp>
+    </p:spTree>
+    <p:extLst>
+      <p:ext uri="{BB962C8B-B14F-4D97-AF65-F5344CB8AC3E}">
+        <p14:creationId xmlns:p14="http://schemas.microsoft.com/office/powerpoint/2010/main" val="1921628585"/>
       </p:ext>
     </p:extLst>
   </p:cSld>
